--- a/201401/LYaHfGG5_hiroka.pptx
+++ b/201401/LYaHfGG5_hiroka.pptx
@@ -11,14 +11,6 @@
     <p:sldId id="259" r:id="rId5"/>
     <p:sldId id="260" r:id="rId6"/>
     <p:sldId id="261" r:id="rId7"/>
-    <p:sldId id="263" r:id="rId8"/>
-    <p:sldId id="265" r:id="rId9"/>
-    <p:sldId id="267" r:id="rId10"/>
-    <p:sldId id="279" r:id="rId11"/>
-    <p:sldId id="280" r:id="rId12"/>
-    <p:sldId id="276" r:id="rId13"/>
-    <p:sldId id="277" r:id="rId14"/>
-    <p:sldId id="278" r:id="rId15"/>
   </p:sldIdLst>
   <p:sldSz cx="9144000" cy="6858000" type="screen4x3"/>
   <p:notesSz cx="6858000" cy="9144000"/>
@@ -4957,7 +4949,19 @@
             </a:r>
             <a:r>
               <a:rPr lang="en-US" altLang="ja-JP" dirty="0" smtClean="0"/>
-              <a:t>#5</a:t>
+              <a:t>#</a:t>
+            </a:r>
+            <a:r>
+              <a:rPr lang="en-US" altLang="ja-JP" dirty="0" smtClean="0"/>
+              <a:t>5 [</a:t>
+            </a:r>
+            <a:r>
+              <a:rPr lang="ja-JP" altLang="en-US" dirty="0" smtClean="0"/>
+              <a:t>宿題解答編</a:t>
+            </a:r>
+            <a:r>
+              <a:rPr lang="en-US" altLang="ja-JP" smtClean="0"/>
+              <a:t>]</a:t>
             </a:r>
             <a:endParaRPr kumimoji="1" lang="ja-JP" altLang="en-US" dirty="0"/>
           </a:p>
@@ -4989,778 +4993,6 @@
             <a:r>
               <a:rPr kumimoji="1" lang="ja-JP" altLang="en-US" dirty="0" smtClean="0"/>
               <a:t>ろか</a:t>
-            </a:r>
-            <a:endParaRPr kumimoji="1" lang="ja-JP" altLang="en-US" dirty="0"/>
-          </a:p>
-        </p:txBody>
-      </p:sp>
-    </p:spTree>
-  </p:cSld>
-  <p:clrMapOvr>
-    <a:masterClrMapping/>
-  </p:clrMapOvr>
-</p:sld>
-</file>
-
-<file path=ppt/slides/slide10.xml><?xml version="1.0" encoding="utf-8"?>
-<p:sld xmlns:a="http://schemas.openxmlformats.org/drawingml/2006/main" xmlns:r="http://schemas.openxmlformats.org/officeDocument/2006/relationships" xmlns:p="http://schemas.openxmlformats.org/presentationml/2006/main">
-  <p:cSld>
-    <p:spTree>
-      <p:nvGrpSpPr>
-        <p:cNvPr id="1" name=""/>
-        <p:cNvGrpSpPr/>
-        <p:nvPr/>
-      </p:nvGrpSpPr>
-      <p:grpSpPr>
-        <a:xfrm>
-          <a:off x="0" y="0"/>
-          <a:ext cx="0" cy="0"/>
-          <a:chOff x="0" y="0"/>
-          <a:chExt cx="0" cy="0"/>
-        </a:xfrm>
-      </p:grpSpPr>
-      <p:sp>
-        <p:nvSpPr>
-          <p:cNvPr id="5" name="コンテンツ プレースホルダ 4"/>
-          <p:cNvSpPr>
-            <a:spLocks noGrp="1"/>
-          </p:cNvSpPr>
-          <p:nvPr>
-            <p:ph idx="1"/>
-          </p:nvPr>
-        </p:nvSpPr>
-        <p:spPr>
-          <a:xfrm>
-            <a:off x="457200" y="1481328"/>
-            <a:ext cx="8229600" cy="4539959"/>
-          </a:xfrm>
-        </p:spPr>
-        <p:txBody>
-          <a:bodyPr>
-            <a:normAutofit/>
-          </a:bodyPr>
-          <a:lstStyle/>
-          <a:p>
-            <a:r>
-              <a:rPr lang="en-US" altLang="ja-JP" dirty="0" smtClean="0"/>
-              <a:t>Show</a:t>
-            </a:r>
-            <a:r>
-              <a:rPr lang="ja-JP" altLang="en-US" dirty="0" smtClean="0"/>
-              <a:t>型クラスの一員にしてあげることでプロンプトから表示することができる。</a:t>
-            </a:r>
-            <a:endParaRPr lang="en-US" altLang="ja-JP" dirty="0" smtClean="0"/>
-          </a:p>
-          <a:p>
-            <a:r>
-              <a:rPr lang="ja-JP" altLang="en-US" dirty="0" smtClean="0"/>
-              <a:t>プロンプトに表示しようとする際に、</a:t>
-            </a:r>
-            <a:r>
-              <a:rPr lang="en-US" altLang="ja-JP" dirty="0" smtClean="0"/>
-              <a:t>show</a:t>
-            </a:r>
-            <a:r>
-              <a:rPr lang="ja-JP" altLang="en-US" dirty="0" smtClean="0"/>
-              <a:t>関数を使う。</a:t>
-            </a:r>
-            <a:endParaRPr lang="en-US" altLang="ja-JP" dirty="0" smtClean="0"/>
-          </a:p>
-          <a:p>
-            <a:r>
-              <a:rPr lang="en-US" altLang="ja-JP" dirty="0" smtClean="0"/>
-              <a:t>Deriving(Show)</a:t>
-            </a:r>
-            <a:r>
-              <a:rPr lang="ja-JP" altLang="en-US" dirty="0" smtClean="0"/>
-              <a:t>で</a:t>
-            </a:r>
-            <a:r>
-              <a:rPr lang="en-US" altLang="ja-JP" dirty="0" smtClean="0"/>
-              <a:t>Show</a:t>
-            </a:r>
-            <a:r>
-              <a:rPr lang="ja-JP" altLang="en-US" dirty="0" smtClean="0"/>
-              <a:t>型クラスのインスタンスになる</a:t>
-            </a:r>
-            <a:endParaRPr lang="en-US" altLang="ja-JP" dirty="0" smtClean="0"/>
-          </a:p>
-        </p:txBody>
-      </p:sp>
-      <p:sp>
-        <p:nvSpPr>
-          <p:cNvPr id="4" name="タイトル 3"/>
-          <p:cNvSpPr>
-            <a:spLocks noGrp="1"/>
-          </p:cNvSpPr>
-          <p:nvPr>
-            <p:ph type="title"/>
-          </p:nvPr>
-        </p:nvSpPr>
-        <p:spPr/>
-        <p:txBody>
-          <a:bodyPr/>
-          <a:lstStyle/>
-          <a:p>
-            <a:r>
-              <a:rPr lang="ja-JP" altLang="en-US" dirty="0" smtClean="0"/>
-              <a:t>形づくる</a:t>
-            </a:r>
-            <a:endParaRPr kumimoji="1" lang="ja-JP" altLang="en-US" dirty="0"/>
-          </a:p>
-        </p:txBody>
-      </p:sp>
-      <p:sp>
-        <p:nvSpPr>
-          <p:cNvPr id="6" name="角丸四角形 5"/>
-          <p:cNvSpPr/>
-          <p:nvPr/>
-        </p:nvSpPr>
-        <p:spPr>
-          <a:xfrm>
-            <a:off x="251520" y="3933056"/>
-            <a:ext cx="8640960" cy="1728192"/>
-          </a:xfrm>
-          <a:prstGeom prst="roundRect">
-            <a:avLst/>
-          </a:prstGeom>
-          <a:solidFill>
-            <a:schemeClr val="accent1">
-              <a:lumMod val="20000"/>
-              <a:lumOff val="80000"/>
-            </a:schemeClr>
-          </a:solidFill>
-        </p:spPr>
-        <p:style>
-          <a:lnRef idx="2">
-            <a:schemeClr val="accent1">
-              <a:shade val="50000"/>
-            </a:schemeClr>
-          </a:lnRef>
-          <a:fillRef idx="1">
-            <a:schemeClr val="accent1"/>
-          </a:fillRef>
-          <a:effectRef idx="0">
-            <a:schemeClr val="accent1"/>
-          </a:effectRef>
-          <a:fontRef idx="minor">
-            <a:schemeClr val="lt1"/>
-          </a:fontRef>
-        </p:style>
-        <p:txBody>
-          <a:bodyPr rtlCol="0" anchor="ctr"/>
-          <a:lstStyle/>
-          <a:p>
-            <a:r>
-              <a:rPr lang="en-US" altLang="ja-JP" dirty="0" smtClean="0">
-                <a:solidFill>
-                  <a:schemeClr val="tx1"/>
-                </a:solidFill>
-              </a:rPr>
-              <a:t>data Shape = Circle Float </a:t>
-            </a:r>
-            <a:r>
-              <a:rPr lang="en-US" altLang="ja-JP" dirty="0" err="1" smtClean="0">
-                <a:solidFill>
-                  <a:schemeClr val="tx1"/>
-                </a:solidFill>
-              </a:rPr>
-              <a:t>Float</a:t>
-            </a:r>
-            <a:r>
-              <a:rPr lang="en-US" altLang="ja-JP" dirty="0" smtClean="0">
-                <a:solidFill>
-                  <a:schemeClr val="tx1"/>
-                </a:solidFill>
-              </a:rPr>
-              <a:t> </a:t>
-            </a:r>
-            <a:r>
-              <a:rPr lang="en-US" altLang="ja-JP" dirty="0" err="1" smtClean="0">
-                <a:solidFill>
-                  <a:schemeClr val="tx1"/>
-                </a:solidFill>
-              </a:rPr>
-              <a:t>Float</a:t>
-            </a:r>
-            <a:r>
-              <a:rPr lang="en-US" altLang="ja-JP" dirty="0" smtClean="0">
-                <a:solidFill>
-                  <a:schemeClr val="tx1"/>
-                </a:solidFill>
-              </a:rPr>
-              <a:t> |</a:t>
-            </a:r>
-          </a:p>
-          <a:p>
-            <a:r>
-              <a:rPr lang="ja-JP" altLang="en-US" dirty="0" smtClean="0">
-                <a:solidFill>
-                  <a:schemeClr val="tx1"/>
-                </a:solidFill>
-              </a:rPr>
-              <a:t>                     </a:t>
-            </a:r>
-            <a:r>
-              <a:rPr lang="en-US" altLang="ja-JP" dirty="0" smtClean="0">
-                <a:solidFill>
-                  <a:schemeClr val="tx1"/>
-                </a:solidFill>
-              </a:rPr>
-              <a:t>Rectangle Float </a:t>
-            </a:r>
-            <a:r>
-              <a:rPr lang="en-US" altLang="ja-JP" dirty="0" err="1" smtClean="0">
-                <a:solidFill>
-                  <a:schemeClr val="tx1"/>
-                </a:solidFill>
-              </a:rPr>
-              <a:t>Float</a:t>
-            </a:r>
-            <a:r>
-              <a:rPr lang="en-US" altLang="ja-JP" dirty="0" smtClean="0">
-                <a:solidFill>
-                  <a:schemeClr val="tx1"/>
-                </a:solidFill>
-              </a:rPr>
-              <a:t> </a:t>
-            </a:r>
-            <a:r>
-              <a:rPr lang="en-US" altLang="ja-JP" dirty="0" err="1" smtClean="0">
-                <a:solidFill>
-                  <a:schemeClr val="tx1"/>
-                </a:solidFill>
-              </a:rPr>
-              <a:t>Float</a:t>
-            </a:r>
-            <a:r>
-              <a:rPr lang="en-US" altLang="ja-JP" dirty="0" smtClean="0">
-                <a:solidFill>
-                  <a:schemeClr val="tx1"/>
-                </a:solidFill>
-              </a:rPr>
-              <a:t> </a:t>
-            </a:r>
-            <a:r>
-              <a:rPr lang="en-US" altLang="ja-JP" dirty="0" err="1" smtClean="0">
-                <a:solidFill>
-                  <a:schemeClr val="tx1"/>
-                </a:solidFill>
-              </a:rPr>
-              <a:t>Float</a:t>
-            </a:r>
-            <a:endParaRPr lang="en-US" altLang="ja-JP" dirty="0" smtClean="0">
-              <a:solidFill>
-                <a:schemeClr val="tx1"/>
-              </a:solidFill>
-            </a:endParaRPr>
-          </a:p>
-          <a:p>
-            <a:r>
-              <a:rPr lang="en-US" altLang="ja-JP" dirty="0" smtClean="0">
-                <a:solidFill>
-                  <a:schemeClr val="tx1"/>
-                </a:solidFill>
-              </a:rPr>
-              <a:t>        deriving(Show)</a:t>
-            </a:r>
-            <a:endParaRPr lang="en-US" altLang="ja-JP" dirty="0" smtClean="0">
-              <a:solidFill>
-                <a:schemeClr val="tx1"/>
-              </a:solidFill>
-            </a:endParaRPr>
-          </a:p>
-        </p:txBody>
-      </p:sp>
-    </p:spTree>
-  </p:cSld>
-  <p:clrMapOvr>
-    <a:masterClrMapping/>
-  </p:clrMapOvr>
-</p:sld>
-</file>
-
-<file path=ppt/slides/slide11.xml><?xml version="1.0" encoding="utf-8"?>
-<p:sld xmlns:a="http://schemas.openxmlformats.org/drawingml/2006/main" xmlns:r="http://schemas.openxmlformats.org/officeDocument/2006/relationships" xmlns:p="http://schemas.openxmlformats.org/presentationml/2006/main">
-  <p:cSld>
-    <p:spTree>
-      <p:nvGrpSpPr>
-        <p:cNvPr id="1" name=""/>
-        <p:cNvGrpSpPr/>
-        <p:nvPr/>
-      </p:nvGrpSpPr>
-      <p:grpSpPr>
-        <a:xfrm>
-          <a:off x="0" y="0"/>
-          <a:ext cx="0" cy="0"/>
-          <a:chOff x="0" y="0"/>
-          <a:chExt cx="0" cy="0"/>
-        </a:xfrm>
-      </p:grpSpPr>
-      <p:sp>
-        <p:nvSpPr>
-          <p:cNvPr id="5" name="コンテンツ プレースホルダ 4"/>
-          <p:cNvSpPr>
-            <a:spLocks noGrp="1"/>
-          </p:cNvSpPr>
-          <p:nvPr>
-            <p:ph idx="1"/>
-          </p:nvPr>
-        </p:nvSpPr>
-        <p:spPr>
-          <a:xfrm>
-            <a:off x="457200" y="1481328"/>
-            <a:ext cx="8229600" cy="4539959"/>
-          </a:xfrm>
-        </p:spPr>
-        <p:txBody>
-          <a:bodyPr>
-            <a:normAutofit/>
-          </a:bodyPr>
-          <a:lstStyle/>
-          <a:p>
-            <a:r>
-              <a:rPr lang="en-US" altLang="ja-JP" dirty="0" smtClean="0"/>
-              <a:t>Show</a:t>
-            </a:r>
-            <a:r>
-              <a:rPr lang="ja-JP" altLang="en-US" dirty="0" smtClean="0"/>
-              <a:t>型クラスの一員にしてあげることでプロンプトから表示することができる。</a:t>
-            </a:r>
-            <a:endParaRPr lang="en-US" altLang="ja-JP" dirty="0" smtClean="0"/>
-          </a:p>
-          <a:p>
-            <a:r>
-              <a:rPr lang="ja-JP" altLang="en-US" dirty="0" smtClean="0"/>
-              <a:t>プロンプトに表示しようとする際に、</a:t>
-            </a:r>
-            <a:r>
-              <a:rPr lang="en-US" altLang="ja-JP" dirty="0" smtClean="0"/>
-              <a:t>show</a:t>
-            </a:r>
-            <a:r>
-              <a:rPr lang="ja-JP" altLang="en-US" dirty="0" smtClean="0"/>
-              <a:t>関数を使う。</a:t>
-            </a:r>
-            <a:endParaRPr lang="en-US" altLang="ja-JP" dirty="0" smtClean="0"/>
-          </a:p>
-          <a:p>
-            <a:r>
-              <a:rPr lang="en-US" altLang="ja-JP" dirty="0" smtClean="0"/>
-              <a:t>Deriving(Show)</a:t>
-            </a:r>
-            <a:r>
-              <a:rPr lang="ja-JP" altLang="en-US" dirty="0" smtClean="0"/>
-              <a:t>で</a:t>
-            </a:r>
-            <a:r>
-              <a:rPr lang="en-US" altLang="ja-JP" dirty="0" smtClean="0"/>
-              <a:t>Show</a:t>
-            </a:r>
-            <a:r>
-              <a:rPr lang="ja-JP" altLang="en-US" dirty="0" smtClean="0"/>
-              <a:t>型クラスのインスタンスになる</a:t>
-            </a:r>
-            <a:endParaRPr lang="en-US" altLang="ja-JP" dirty="0" smtClean="0"/>
-          </a:p>
-        </p:txBody>
-      </p:sp>
-      <p:sp>
-        <p:nvSpPr>
-          <p:cNvPr id="4" name="タイトル 3"/>
-          <p:cNvSpPr>
-            <a:spLocks noGrp="1"/>
-          </p:cNvSpPr>
-          <p:nvPr>
-            <p:ph type="title"/>
-          </p:nvPr>
-        </p:nvSpPr>
-        <p:spPr/>
-        <p:txBody>
-          <a:bodyPr/>
-          <a:lstStyle/>
-          <a:p>
-            <a:r>
-              <a:rPr lang="ja-JP" altLang="en-US" dirty="0" smtClean="0"/>
-              <a:t>形づくる</a:t>
-            </a:r>
-            <a:endParaRPr kumimoji="1" lang="ja-JP" altLang="en-US" dirty="0"/>
-          </a:p>
-        </p:txBody>
-      </p:sp>
-      <p:sp>
-        <p:nvSpPr>
-          <p:cNvPr id="6" name="角丸四角形 5"/>
-          <p:cNvSpPr/>
-          <p:nvPr/>
-        </p:nvSpPr>
-        <p:spPr>
-          <a:xfrm>
-            <a:off x="251520" y="3933056"/>
-            <a:ext cx="8640960" cy="1728192"/>
-          </a:xfrm>
-          <a:prstGeom prst="roundRect">
-            <a:avLst/>
-          </a:prstGeom>
-          <a:solidFill>
-            <a:schemeClr val="accent1">
-              <a:lumMod val="20000"/>
-              <a:lumOff val="80000"/>
-            </a:schemeClr>
-          </a:solidFill>
-        </p:spPr>
-        <p:style>
-          <a:lnRef idx="2">
-            <a:schemeClr val="accent1">
-              <a:shade val="50000"/>
-            </a:schemeClr>
-          </a:lnRef>
-          <a:fillRef idx="1">
-            <a:schemeClr val="accent1"/>
-          </a:fillRef>
-          <a:effectRef idx="0">
-            <a:schemeClr val="accent1"/>
-          </a:effectRef>
-          <a:fontRef idx="minor">
-            <a:schemeClr val="lt1"/>
-          </a:fontRef>
-        </p:style>
-        <p:txBody>
-          <a:bodyPr rtlCol="0" anchor="ctr"/>
-          <a:lstStyle/>
-          <a:p>
-            <a:r>
-              <a:rPr lang="en-US" altLang="ja-JP" dirty="0" smtClean="0">
-                <a:solidFill>
-                  <a:schemeClr val="tx1"/>
-                </a:solidFill>
-              </a:rPr>
-              <a:t>data Shape = Circle Float </a:t>
-            </a:r>
-            <a:r>
-              <a:rPr lang="en-US" altLang="ja-JP" dirty="0" err="1" smtClean="0">
-                <a:solidFill>
-                  <a:schemeClr val="tx1"/>
-                </a:solidFill>
-              </a:rPr>
-              <a:t>Float</a:t>
-            </a:r>
-            <a:r>
-              <a:rPr lang="en-US" altLang="ja-JP" dirty="0" smtClean="0">
-                <a:solidFill>
-                  <a:schemeClr val="tx1"/>
-                </a:solidFill>
-              </a:rPr>
-              <a:t> </a:t>
-            </a:r>
-            <a:r>
-              <a:rPr lang="en-US" altLang="ja-JP" dirty="0" err="1" smtClean="0">
-                <a:solidFill>
-                  <a:schemeClr val="tx1"/>
-                </a:solidFill>
-              </a:rPr>
-              <a:t>Float</a:t>
-            </a:r>
-            <a:r>
-              <a:rPr lang="en-US" altLang="ja-JP" dirty="0" smtClean="0">
-                <a:solidFill>
-                  <a:schemeClr val="tx1"/>
-                </a:solidFill>
-              </a:rPr>
-              <a:t> |</a:t>
-            </a:r>
-          </a:p>
-          <a:p>
-            <a:r>
-              <a:rPr lang="ja-JP" altLang="en-US" dirty="0" smtClean="0">
-                <a:solidFill>
-                  <a:schemeClr val="tx1"/>
-                </a:solidFill>
-              </a:rPr>
-              <a:t>                     </a:t>
-            </a:r>
-            <a:r>
-              <a:rPr lang="en-US" altLang="ja-JP" dirty="0" smtClean="0">
-                <a:solidFill>
-                  <a:schemeClr val="tx1"/>
-                </a:solidFill>
-              </a:rPr>
-              <a:t>Rectangle Float </a:t>
-            </a:r>
-            <a:r>
-              <a:rPr lang="en-US" altLang="ja-JP" dirty="0" err="1" smtClean="0">
-                <a:solidFill>
-                  <a:schemeClr val="tx1"/>
-                </a:solidFill>
-              </a:rPr>
-              <a:t>Float</a:t>
-            </a:r>
-            <a:r>
-              <a:rPr lang="en-US" altLang="ja-JP" dirty="0" smtClean="0">
-                <a:solidFill>
-                  <a:schemeClr val="tx1"/>
-                </a:solidFill>
-              </a:rPr>
-              <a:t> </a:t>
-            </a:r>
-            <a:r>
-              <a:rPr lang="en-US" altLang="ja-JP" dirty="0" err="1" smtClean="0">
-                <a:solidFill>
-                  <a:schemeClr val="tx1"/>
-                </a:solidFill>
-              </a:rPr>
-              <a:t>Float</a:t>
-            </a:r>
-            <a:r>
-              <a:rPr lang="en-US" altLang="ja-JP" dirty="0" smtClean="0">
-                <a:solidFill>
-                  <a:schemeClr val="tx1"/>
-                </a:solidFill>
-              </a:rPr>
-              <a:t> </a:t>
-            </a:r>
-            <a:r>
-              <a:rPr lang="en-US" altLang="ja-JP" dirty="0" err="1" smtClean="0">
-                <a:solidFill>
-                  <a:schemeClr val="tx1"/>
-                </a:solidFill>
-              </a:rPr>
-              <a:t>Float</a:t>
-            </a:r>
-            <a:endParaRPr lang="en-US" altLang="ja-JP" dirty="0" smtClean="0">
-              <a:solidFill>
-                <a:schemeClr val="tx1"/>
-              </a:solidFill>
-            </a:endParaRPr>
-          </a:p>
-          <a:p>
-            <a:r>
-              <a:rPr lang="en-US" altLang="ja-JP" dirty="0" smtClean="0">
-                <a:solidFill>
-                  <a:schemeClr val="tx1"/>
-                </a:solidFill>
-              </a:rPr>
-              <a:t>        deriving(Show)</a:t>
-            </a:r>
-            <a:endParaRPr lang="en-US" altLang="ja-JP" dirty="0" smtClean="0">
-              <a:solidFill>
-                <a:schemeClr val="tx1"/>
-              </a:solidFill>
-            </a:endParaRPr>
-          </a:p>
-        </p:txBody>
-      </p:sp>
-    </p:spTree>
-  </p:cSld>
-  <p:clrMapOvr>
-    <a:masterClrMapping/>
-  </p:clrMapOvr>
-</p:sld>
-</file>
-
-<file path=ppt/slides/slide12.xml><?xml version="1.0" encoding="utf-8"?>
-<p:sld xmlns:a="http://schemas.openxmlformats.org/drawingml/2006/main" xmlns:r="http://schemas.openxmlformats.org/officeDocument/2006/relationships" xmlns:p="http://schemas.openxmlformats.org/presentationml/2006/main">
-  <p:cSld>
-    <p:spTree>
-      <p:nvGrpSpPr>
-        <p:cNvPr id="1" name=""/>
-        <p:cNvGrpSpPr/>
-        <p:nvPr/>
-      </p:nvGrpSpPr>
-      <p:grpSpPr>
-        <a:xfrm>
-          <a:off x="0" y="0"/>
-          <a:ext cx="0" cy="0"/>
-          <a:chOff x="0" y="0"/>
-          <a:chExt cx="0" cy="0"/>
-        </a:xfrm>
-      </p:grpSpPr>
-      <p:sp>
-        <p:nvSpPr>
-          <p:cNvPr id="4" name="タイトル 3"/>
-          <p:cNvSpPr>
-            <a:spLocks noGrp="1"/>
-          </p:cNvSpPr>
-          <p:nvPr>
-            <p:ph type="title"/>
-          </p:nvPr>
-        </p:nvSpPr>
-        <p:spPr/>
-        <p:txBody>
-          <a:bodyPr/>
-          <a:lstStyle/>
-          <a:p>
-            <a:r>
-              <a:rPr lang="ja-JP" altLang="en-US" dirty="0" smtClean="0"/>
-              <a:t>練習問題</a:t>
-            </a:r>
-            <a:endParaRPr kumimoji="1" lang="ja-JP" altLang="en-US" dirty="0"/>
-          </a:p>
-        </p:txBody>
-      </p:sp>
-      <p:sp>
-        <p:nvSpPr>
-          <p:cNvPr id="5" name="テキスト プレースホルダ 4"/>
-          <p:cNvSpPr>
-            <a:spLocks noGrp="1"/>
-          </p:cNvSpPr>
-          <p:nvPr>
-            <p:ph type="body" idx="1"/>
-          </p:nvPr>
-        </p:nvSpPr>
-        <p:spPr/>
-        <p:txBody>
-          <a:bodyPr/>
-          <a:lstStyle/>
-          <a:p>
-            <a:r>
-              <a:rPr lang="ja-JP" altLang="en-US" dirty="0" smtClean="0"/>
-              <a:t>練習問題①～②</a:t>
-            </a:r>
-            <a:r>
-              <a:rPr lang="en-US" altLang="ja-JP" dirty="0" smtClean="0"/>
-              <a:t/>
-            </a:r>
-            <a:br>
-              <a:rPr lang="en-US" altLang="ja-JP" dirty="0" smtClean="0"/>
-            </a:br>
-            <a:r>
-              <a:rPr lang="ja-JP" altLang="en-US" dirty="0" smtClean="0"/>
-              <a:t>次回〆切</a:t>
-            </a:r>
-            <a:endParaRPr kumimoji="1" lang="ja-JP" altLang="en-US" dirty="0"/>
-          </a:p>
-        </p:txBody>
-      </p:sp>
-    </p:spTree>
-  </p:cSld>
-  <p:clrMapOvr>
-    <a:masterClrMapping/>
-  </p:clrMapOvr>
-</p:sld>
-</file>
-
-<file path=ppt/slides/slide13.xml><?xml version="1.0" encoding="utf-8"?>
-<p:sld xmlns:a="http://schemas.openxmlformats.org/drawingml/2006/main" xmlns:r="http://schemas.openxmlformats.org/officeDocument/2006/relationships" xmlns:p="http://schemas.openxmlformats.org/presentationml/2006/main">
-  <p:cSld>
-    <p:spTree>
-      <p:nvGrpSpPr>
-        <p:cNvPr id="1" name=""/>
-        <p:cNvGrpSpPr/>
-        <p:nvPr/>
-      </p:nvGrpSpPr>
-      <p:grpSpPr>
-        <a:xfrm>
-          <a:off x="0" y="0"/>
-          <a:ext cx="0" cy="0"/>
-          <a:chOff x="0" y="0"/>
-          <a:chExt cx="0" cy="0"/>
-        </a:xfrm>
-      </p:grpSpPr>
-      <p:sp>
-        <p:nvSpPr>
-          <p:cNvPr id="5" name="コンテンツ プレースホルダ 4"/>
-          <p:cNvSpPr>
-            <a:spLocks noGrp="1"/>
-          </p:cNvSpPr>
-          <p:nvPr>
-            <p:ph idx="1"/>
-          </p:nvPr>
-        </p:nvSpPr>
-        <p:spPr/>
-        <p:txBody>
-          <a:bodyPr/>
-          <a:lstStyle/>
-          <a:p>
-            <a:endParaRPr kumimoji="1" lang="ja-JP" altLang="en-US" dirty="0"/>
-          </a:p>
-        </p:txBody>
-      </p:sp>
-      <p:sp>
-        <p:nvSpPr>
-          <p:cNvPr id="4" name="タイトル 3"/>
-          <p:cNvSpPr>
-            <a:spLocks noGrp="1"/>
-          </p:cNvSpPr>
-          <p:nvPr>
-            <p:ph type="title"/>
-          </p:nvPr>
-        </p:nvSpPr>
-        <p:spPr/>
-        <p:txBody>
-          <a:bodyPr/>
-          <a:lstStyle/>
-          <a:p>
-            <a:r>
-              <a:rPr lang="ja-JP" altLang="en-US" dirty="0" smtClean="0"/>
-              <a:t>練習問題①</a:t>
-            </a:r>
-            <a:endParaRPr kumimoji="1" lang="ja-JP" altLang="en-US" dirty="0"/>
-          </a:p>
-        </p:txBody>
-      </p:sp>
-    </p:spTree>
-  </p:cSld>
-  <p:clrMapOvr>
-    <a:masterClrMapping/>
-  </p:clrMapOvr>
-</p:sld>
-</file>
-
-<file path=ppt/slides/slide14.xml><?xml version="1.0" encoding="utf-8"?>
-<p:sld xmlns:a="http://schemas.openxmlformats.org/drawingml/2006/main" xmlns:r="http://schemas.openxmlformats.org/officeDocument/2006/relationships" xmlns:p="http://schemas.openxmlformats.org/presentationml/2006/main">
-  <p:cSld>
-    <p:spTree>
-      <p:nvGrpSpPr>
-        <p:cNvPr id="1" name=""/>
-        <p:cNvGrpSpPr/>
-        <p:nvPr/>
-      </p:nvGrpSpPr>
-      <p:grpSpPr>
-        <a:xfrm>
-          <a:off x="0" y="0"/>
-          <a:ext cx="0" cy="0"/>
-          <a:chOff x="0" y="0"/>
-          <a:chExt cx="0" cy="0"/>
-        </a:xfrm>
-      </p:grpSpPr>
-      <p:sp>
-        <p:nvSpPr>
-          <p:cNvPr id="2" name="コンテンツ プレースホルダ 1"/>
-          <p:cNvSpPr>
-            <a:spLocks noGrp="1"/>
-          </p:cNvSpPr>
-          <p:nvPr>
-            <p:ph idx="1"/>
-          </p:nvPr>
-        </p:nvSpPr>
-        <p:spPr/>
-        <p:txBody>
-          <a:bodyPr/>
-          <a:lstStyle/>
-          <a:p>
-            <a:endParaRPr lang="en-US" altLang="ja-JP" dirty="0" smtClean="0"/>
-          </a:p>
-        </p:txBody>
-      </p:sp>
-      <p:sp>
-        <p:nvSpPr>
-          <p:cNvPr id="3" name="タイトル 2"/>
-          <p:cNvSpPr>
-            <a:spLocks noGrp="1"/>
-          </p:cNvSpPr>
-          <p:nvPr>
-            <p:ph type="title"/>
-          </p:nvPr>
-        </p:nvSpPr>
-        <p:spPr/>
-        <p:txBody>
-          <a:bodyPr/>
-          <a:lstStyle/>
-          <a:p>
-            <a:r>
-              <a:rPr kumimoji="1" lang="ja-JP" altLang="en-US" dirty="0" smtClean="0"/>
-              <a:t>練習問題②</a:t>
             </a:r>
             <a:endParaRPr kumimoji="1" lang="ja-JP" altLang="en-US" dirty="0"/>
           </a:p>
@@ -5841,35 +5073,13 @@
             </a:br>
             <a:r>
               <a:rPr lang="ja-JP" altLang="en-US" dirty="0" smtClean="0"/>
-              <a:t>練習問題③</a:t>
+              <a:t>練習問題</a:t>
+            </a:r>
+            <a:r>
+              <a:rPr lang="ja-JP" altLang="en-US" dirty="0" smtClean="0"/>
+              <a:t>③</a:t>
             </a:r>
             <a:endParaRPr kumimoji="1" lang="en-US" altLang="ja-JP" dirty="0" smtClean="0"/>
-          </a:p>
-          <a:p>
-            <a:r>
-              <a:rPr kumimoji="1" lang="ja-JP" altLang="en-US" dirty="0" smtClean="0"/>
-              <a:t>第</a:t>
-            </a:r>
-            <a:r>
-              <a:rPr lang="en-US" altLang="ja-JP" dirty="0" smtClean="0"/>
-              <a:t>7</a:t>
-            </a:r>
-            <a:r>
-              <a:rPr kumimoji="1" lang="ja-JP" altLang="en-US" dirty="0" smtClean="0"/>
-              <a:t>章　</a:t>
-            </a:r>
-            <a:r>
-              <a:rPr lang="ja-JP" altLang="en-US" dirty="0" smtClean="0"/>
-              <a:t>型や型クラスを自分で作ろう</a:t>
-            </a:r>
-            <a:endParaRPr lang="en-US" altLang="ja-JP" dirty="0" smtClean="0"/>
-          </a:p>
-          <a:p>
-            <a:r>
-              <a:rPr kumimoji="1" lang="ja-JP" altLang="en-US" dirty="0" smtClean="0"/>
-              <a:t>練習問題</a:t>
-            </a:r>
-            <a:endParaRPr kumimoji="1" lang="ja-JP" altLang="en-US" dirty="0"/>
           </a:p>
         </p:txBody>
       </p:sp>
@@ -6244,11 +5454,7 @@
             </a:r>
             <a:r>
               <a:rPr lang="ja-JP" altLang="en-US" dirty="0" smtClean="0"/>
-              <a:t>つらかったって</a:t>
-            </a:r>
-            <a:r>
-              <a:rPr lang="ja-JP" altLang="en-US" dirty="0" smtClean="0"/>
-              <a:t>、</a:t>
+              <a:t>つらかったって、</a:t>
             </a:r>
             <a:r>
               <a:rPr lang="en-US" altLang="ja-JP" dirty="0" smtClean="0"/>
@@ -6376,11 +5582,7 @@
           <a:p>
             <a:r>
               <a:rPr kumimoji="1" lang="ja-JP" altLang="en-US" dirty="0" smtClean="0"/>
-              <a:t>型</a:t>
-            </a:r>
-            <a:r>
-              <a:rPr kumimoji="1" lang="ja-JP" altLang="en-US" dirty="0" smtClean="0"/>
-              <a:t>シグネチャは本家</a:t>
+              <a:t>型シグネチャは本家</a:t>
             </a:r>
             <a:r>
               <a:rPr lang="en-US" altLang="ja-JP" dirty="0" err="1" smtClean="0"/>
@@ -6412,706 +5614,6 @@
             <a:r>
               <a:rPr kumimoji="1" lang="ja-JP" altLang="en-US" dirty="0" smtClean="0"/>
               <a:t>練習問題③解答</a:t>
-            </a:r>
-            <a:endParaRPr kumimoji="1" lang="ja-JP" altLang="en-US" dirty="0"/>
-          </a:p>
-        </p:txBody>
-      </p:sp>
-    </p:spTree>
-  </p:cSld>
-  <p:clrMapOvr>
-    <a:masterClrMapping/>
-  </p:clrMapOvr>
-</p:sld>
-</file>
-
-<file path=ppt/slides/slide7.xml><?xml version="1.0" encoding="utf-8"?>
-<p:sld xmlns:a="http://schemas.openxmlformats.org/drawingml/2006/main" xmlns:r="http://schemas.openxmlformats.org/officeDocument/2006/relationships" xmlns:p="http://schemas.openxmlformats.org/presentationml/2006/main">
-  <p:cSld>
-    <p:spTree>
-      <p:nvGrpSpPr>
-        <p:cNvPr id="1" name=""/>
-        <p:cNvGrpSpPr/>
-        <p:nvPr/>
-      </p:nvGrpSpPr>
-      <p:grpSpPr>
-        <a:xfrm>
-          <a:off x="0" y="0"/>
-          <a:ext cx="0" cy="0"/>
-          <a:chOff x="0" y="0"/>
-          <a:chExt cx="0" cy="0"/>
-        </a:xfrm>
-      </p:grpSpPr>
-      <p:sp>
-        <p:nvSpPr>
-          <p:cNvPr id="4" name="タイトル 3"/>
-          <p:cNvSpPr>
-            <a:spLocks noGrp="1"/>
-          </p:cNvSpPr>
-          <p:nvPr>
-            <p:ph type="title"/>
-          </p:nvPr>
-        </p:nvSpPr>
-        <p:spPr/>
-        <p:txBody>
-          <a:bodyPr/>
-          <a:lstStyle/>
-          <a:p>
-            <a:r>
-              <a:rPr kumimoji="1" lang="ja-JP" altLang="en-US" dirty="0" smtClean="0"/>
-              <a:t>第</a:t>
-            </a:r>
-            <a:r>
-              <a:rPr lang="en-US" altLang="ja-JP" dirty="0" smtClean="0"/>
-              <a:t>7</a:t>
-            </a:r>
-            <a:r>
-              <a:rPr kumimoji="1" lang="ja-JP" altLang="en-US" dirty="0" smtClean="0"/>
-              <a:t>章　型や型クラスを</a:t>
-            </a:r>
-            <a:r>
-              <a:rPr kumimoji="1" lang="en-US" altLang="ja-JP" dirty="0" smtClean="0"/>
-              <a:t/>
-            </a:r>
-            <a:br>
-              <a:rPr kumimoji="1" lang="en-US" altLang="ja-JP" dirty="0" smtClean="0"/>
-            </a:br>
-            <a:r>
-              <a:rPr lang="ja-JP" altLang="en-US" dirty="0" smtClean="0"/>
-              <a:t>自分で作ろう</a:t>
-            </a:r>
-            <a:endParaRPr kumimoji="1" lang="ja-JP" altLang="en-US" dirty="0"/>
-          </a:p>
-        </p:txBody>
-      </p:sp>
-      <p:sp>
-        <p:nvSpPr>
-          <p:cNvPr id="5" name="テキスト プレースホルダ 4"/>
-          <p:cNvSpPr>
-            <a:spLocks noGrp="1"/>
-          </p:cNvSpPr>
-          <p:nvPr>
-            <p:ph type="body" idx="1"/>
-          </p:nvPr>
-        </p:nvSpPr>
-        <p:spPr/>
-        <p:txBody>
-          <a:bodyPr/>
-          <a:lstStyle/>
-          <a:p>
-            <a:r>
-              <a:rPr lang="en-US" altLang="ja-JP" dirty="0" smtClean="0"/>
-              <a:t>P.111</a:t>
-            </a:r>
-            <a:r>
-              <a:rPr lang="ja-JP" altLang="en-US" dirty="0" smtClean="0"/>
-              <a:t>～</a:t>
-            </a:r>
-            <a:r>
-              <a:rPr lang="en-US" altLang="ja-JP" dirty="0" smtClean="0"/>
-              <a:t>P.157</a:t>
-            </a:r>
-            <a:endParaRPr lang="ja-JP" altLang="en-US" dirty="0" smtClean="0"/>
-          </a:p>
-        </p:txBody>
-      </p:sp>
-    </p:spTree>
-  </p:cSld>
-  <p:clrMapOvr>
-    <a:masterClrMapping/>
-  </p:clrMapOvr>
-</p:sld>
-</file>
-
-<file path=ppt/slides/slide8.xml><?xml version="1.0" encoding="utf-8"?>
-<p:sld xmlns:a="http://schemas.openxmlformats.org/drawingml/2006/main" xmlns:r="http://schemas.openxmlformats.org/officeDocument/2006/relationships" xmlns:p="http://schemas.openxmlformats.org/presentationml/2006/main">
-  <p:cSld>
-    <p:spTree>
-      <p:nvGrpSpPr>
-        <p:cNvPr id="1" name=""/>
-        <p:cNvGrpSpPr/>
-        <p:nvPr/>
-      </p:nvGrpSpPr>
-      <p:grpSpPr>
-        <a:xfrm>
-          <a:off x="0" y="0"/>
-          <a:ext cx="0" cy="0"/>
-          <a:chOff x="0" y="0"/>
-          <a:chExt cx="0" cy="0"/>
-        </a:xfrm>
-      </p:grpSpPr>
-      <p:sp>
-        <p:nvSpPr>
-          <p:cNvPr id="5" name="コンテンツ プレースホルダ 4"/>
-          <p:cNvSpPr>
-            <a:spLocks noGrp="1"/>
-          </p:cNvSpPr>
-          <p:nvPr>
-            <p:ph idx="1"/>
-          </p:nvPr>
-        </p:nvSpPr>
-        <p:spPr/>
-        <p:txBody>
-          <a:bodyPr/>
-          <a:lstStyle/>
-          <a:p>
-            <a:r>
-              <a:rPr lang="en-US" altLang="ja-JP" dirty="0" smtClean="0"/>
-              <a:t>data</a:t>
-            </a:r>
-            <a:r>
-              <a:rPr lang="ja-JP" altLang="en-US" dirty="0" smtClean="0"/>
-              <a:t>キーワードにより定義</a:t>
-            </a:r>
-            <a:endParaRPr lang="en-US" altLang="ja-JP" dirty="0" smtClean="0"/>
-          </a:p>
-          <a:p>
-            <a:pPr>
-              <a:buNone/>
-            </a:pPr>
-            <a:endParaRPr kumimoji="1" lang="en-US" altLang="ja-JP" dirty="0" smtClean="0"/>
-          </a:p>
-        </p:txBody>
-      </p:sp>
-      <p:sp>
-        <p:nvSpPr>
-          <p:cNvPr id="4" name="タイトル 3"/>
-          <p:cNvSpPr>
-            <a:spLocks noGrp="1"/>
-          </p:cNvSpPr>
-          <p:nvPr>
-            <p:ph type="title"/>
-          </p:nvPr>
-        </p:nvSpPr>
-        <p:spPr/>
-        <p:txBody>
-          <a:bodyPr/>
-          <a:lstStyle/>
-          <a:p>
-            <a:r>
-              <a:rPr lang="ja-JP" altLang="en-US" dirty="0" smtClean="0"/>
-              <a:t>新しいデータ型を定義する</a:t>
-            </a:r>
-            <a:endParaRPr kumimoji="1" lang="ja-JP" altLang="en-US" dirty="0"/>
-          </a:p>
-        </p:txBody>
-      </p:sp>
-      <p:sp>
-        <p:nvSpPr>
-          <p:cNvPr id="6" name="角丸四角形 5"/>
-          <p:cNvSpPr/>
-          <p:nvPr/>
-        </p:nvSpPr>
-        <p:spPr>
-          <a:xfrm>
-            <a:off x="1331640" y="2420888"/>
-            <a:ext cx="6480720" cy="1620000"/>
-          </a:xfrm>
-          <a:prstGeom prst="roundRect">
-            <a:avLst/>
-          </a:prstGeom>
-          <a:solidFill>
-            <a:schemeClr val="accent1">
-              <a:lumMod val="20000"/>
-              <a:lumOff val="80000"/>
-            </a:schemeClr>
-          </a:solidFill>
-        </p:spPr>
-        <p:style>
-          <a:lnRef idx="2">
-            <a:schemeClr val="accent1">
-              <a:shade val="50000"/>
-            </a:schemeClr>
-          </a:lnRef>
-          <a:fillRef idx="1">
-            <a:schemeClr val="accent1"/>
-          </a:fillRef>
-          <a:effectRef idx="0">
-            <a:schemeClr val="accent1"/>
-          </a:effectRef>
-          <a:fontRef idx="minor">
-            <a:schemeClr val="lt1"/>
-          </a:fontRef>
-        </p:style>
-        <p:txBody>
-          <a:bodyPr rtlCol="0" anchor="ctr"/>
-          <a:lstStyle/>
-          <a:p>
-            <a:r>
-              <a:rPr lang="en-US" altLang="ja-JP" dirty="0" smtClean="0">
-                <a:solidFill>
-                  <a:schemeClr val="tx1"/>
-                </a:solidFill>
-              </a:rPr>
-              <a:t>data </a:t>
-            </a:r>
-            <a:r>
-              <a:rPr lang="en-US" altLang="ja-JP" dirty="0" err="1" smtClean="0">
-                <a:solidFill>
-                  <a:schemeClr val="tx1"/>
-                </a:solidFill>
-              </a:rPr>
-              <a:t>Bool</a:t>
-            </a:r>
-            <a:r>
-              <a:rPr lang="en-US" altLang="ja-JP" dirty="0" smtClean="0">
-                <a:solidFill>
-                  <a:schemeClr val="tx1"/>
-                </a:solidFill>
-              </a:rPr>
-              <a:t> = False | True</a:t>
-            </a:r>
-          </a:p>
-          <a:p>
-            <a:r>
-              <a:rPr lang="en-US" altLang="ja-JP" dirty="0" smtClean="0">
-                <a:solidFill>
-                  <a:schemeClr val="tx1"/>
-                </a:solidFill>
-              </a:rPr>
-              <a:t>data </a:t>
-            </a:r>
-            <a:r>
-              <a:rPr lang="en-US" altLang="ja-JP" dirty="0" err="1" smtClean="0">
-                <a:solidFill>
-                  <a:schemeClr val="tx1"/>
-                </a:solidFill>
-              </a:rPr>
-              <a:t>Int</a:t>
-            </a:r>
-            <a:r>
-              <a:rPr lang="en-US" altLang="ja-JP" dirty="0" smtClean="0">
-                <a:solidFill>
-                  <a:schemeClr val="tx1"/>
-                </a:solidFill>
-              </a:rPr>
-              <a:t> = -2147483648 | -2147483647 | … | -1 | 0 | 1 | 2 | … | 21474836487</a:t>
-            </a:r>
-          </a:p>
-        </p:txBody>
-      </p:sp>
-    </p:spTree>
-  </p:cSld>
-  <p:clrMapOvr>
-    <a:masterClrMapping/>
-  </p:clrMapOvr>
-</p:sld>
-</file>
-
-<file path=ppt/slides/slide9.xml><?xml version="1.0" encoding="utf-8"?>
-<p:sld xmlns:a="http://schemas.openxmlformats.org/drawingml/2006/main" xmlns:r="http://schemas.openxmlformats.org/officeDocument/2006/relationships" xmlns:p="http://schemas.openxmlformats.org/presentationml/2006/main">
-  <p:cSld>
-    <p:spTree>
-      <p:nvGrpSpPr>
-        <p:cNvPr id="1" name=""/>
-        <p:cNvGrpSpPr/>
-        <p:nvPr/>
-      </p:nvGrpSpPr>
-      <p:grpSpPr>
-        <a:xfrm>
-          <a:off x="0" y="0"/>
-          <a:ext cx="0" cy="0"/>
-          <a:chOff x="0" y="0"/>
-          <a:chExt cx="0" cy="0"/>
-        </a:xfrm>
-      </p:grpSpPr>
-      <p:sp>
-        <p:nvSpPr>
-          <p:cNvPr id="5" name="コンテンツ プレースホルダ 4"/>
-          <p:cNvSpPr>
-            <a:spLocks noGrp="1"/>
-          </p:cNvSpPr>
-          <p:nvPr>
-            <p:ph idx="1"/>
-          </p:nvPr>
-        </p:nvSpPr>
-        <p:spPr>
-          <a:xfrm>
-            <a:off x="457200" y="1481329"/>
-            <a:ext cx="8229600" cy="1803656"/>
-          </a:xfrm>
-        </p:spPr>
-        <p:txBody>
-          <a:bodyPr/>
-          <a:lstStyle/>
-          <a:p>
-            <a:r>
-              <a:rPr lang="en-US" altLang="ja-JP" dirty="0" smtClean="0"/>
-              <a:t>Shape</a:t>
-            </a:r>
-            <a:r>
-              <a:rPr lang="ja-JP" altLang="en-US" dirty="0" smtClean="0"/>
-              <a:t>型（</a:t>
-            </a:r>
-            <a:r>
-              <a:rPr lang="en-US" altLang="ja-JP" dirty="0" err="1" smtClean="0"/>
-              <a:t>Circlel</a:t>
-            </a:r>
-            <a:r>
-              <a:rPr lang="ja-JP" altLang="en-US" dirty="0" smtClean="0"/>
-              <a:t>値</a:t>
-            </a:r>
-            <a:r>
-              <a:rPr lang="ja-JP" altLang="en-US" dirty="0" smtClean="0"/>
-              <a:t>コンストラクタ、</a:t>
-            </a:r>
-            <a:r>
-              <a:rPr lang="en-US" altLang="ja-JP" dirty="0" smtClean="0"/>
-              <a:t>Rectangle</a:t>
-            </a:r>
-            <a:r>
-              <a:rPr lang="ja-JP" altLang="en-US" dirty="0" smtClean="0"/>
-              <a:t>値コンストラクタ）</a:t>
-            </a:r>
-            <a:endParaRPr lang="en-US" altLang="ja-JP" dirty="0" smtClean="0"/>
-          </a:p>
-          <a:p>
-            <a:r>
-              <a:rPr lang="ja-JP" altLang="en-US" dirty="0" smtClean="0"/>
-              <a:t>これらは最終的に</a:t>
-            </a:r>
-            <a:r>
-              <a:rPr lang="en-US" altLang="ja-JP" dirty="0" smtClean="0"/>
-              <a:t>Shape</a:t>
-            </a:r>
-            <a:r>
-              <a:rPr lang="ja-JP" altLang="en-US" dirty="0" smtClean="0"/>
-              <a:t>型を返す、“関数”</a:t>
-            </a:r>
-            <a:endParaRPr lang="en-US" altLang="ja-JP" dirty="0" smtClean="0"/>
-          </a:p>
-        </p:txBody>
-      </p:sp>
-      <p:sp>
-        <p:nvSpPr>
-          <p:cNvPr id="4" name="タイトル 3"/>
-          <p:cNvSpPr>
-            <a:spLocks noGrp="1"/>
-          </p:cNvSpPr>
-          <p:nvPr>
-            <p:ph type="title"/>
-          </p:nvPr>
-        </p:nvSpPr>
-        <p:spPr/>
-        <p:txBody>
-          <a:bodyPr/>
-          <a:lstStyle/>
-          <a:p>
-            <a:r>
-              <a:rPr lang="ja-JP" altLang="en-US" dirty="0" smtClean="0"/>
-              <a:t>形づくる</a:t>
-            </a:r>
-            <a:endParaRPr kumimoji="1" lang="ja-JP" altLang="en-US" dirty="0"/>
-          </a:p>
-        </p:txBody>
-      </p:sp>
-      <p:sp>
-        <p:nvSpPr>
-          <p:cNvPr id="6" name="角丸四角形 5"/>
-          <p:cNvSpPr/>
-          <p:nvPr/>
-        </p:nvSpPr>
-        <p:spPr>
-          <a:xfrm>
-            <a:off x="251520" y="2996952"/>
-            <a:ext cx="8640960" cy="2232248"/>
-          </a:xfrm>
-          <a:prstGeom prst="roundRect">
-            <a:avLst/>
-          </a:prstGeom>
-          <a:solidFill>
-            <a:schemeClr val="accent1">
-              <a:lumMod val="20000"/>
-              <a:lumOff val="80000"/>
-            </a:schemeClr>
-          </a:solidFill>
-        </p:spPr>
-        <p:style>
-          <a:lnRef idx="2">
-            <a:schemeClr val="accent1">
-              <a:shade val="50000"/>
-            </a:schemeClr>
-          </a:lnRef>
-          <a:fillRef idx="1">
-            <a:schemeClr val="accent1"/>
-          </a:fillRef>
-          <a:effectRef idx="0">
-            <a:schemeClr val="accent1"/>
-          </a:effectRef>
-          <a:fontRef idx="minor">
-            <a:schemeClr val="lt1"/>
-          </a:fontRef>
-        </p:style>
-        <p:txBody>
-          <a:bodyPr rtlCol="0" anchor="ctr"/>
-          <a:lstStyle/>
-          <a:p>
-            <a:r>
-              <a:rPr lang="en-US" altLang="ja-JP" dirty="0" smtClean="0">
-                <a:solidFill>
-                  <a:schemeClr val="tx1"/>
-                </a:solidFill>
-              </a:rPr>
-              <a:t>data Shape = Circle Float </a:t>
-            </a:r>
-            <a:r>
-              <a:rPr lang="en-US" altLang="ja-JP" dirty="0" err="1" smtClean="0">
-                <a:solidFill>
-                  <a:schemeClr val="tx1"/>
-                </a:solidFill>
-              </a:rPr>
-              <a:t>Float</a:t>
-            </a:r>
-            <a:r>
-              <a:rPr lang="en-US" altLang="ja-JP" dirty="0" smtClean="0">
-                <a:solidFill>
-                  <a:schemeClr val="tx1"/>
-                </a:solidFill>
-              </a:rPr>
-              <a:t> </a:t>
-            </a:r>
-            <a:r>
-              <a:rPr lang="en-US" altLang="ja-JP" dirty="0" err="1" smtClean="0">
-                <a:solidFill>
-                  <a:schemeClr val="tx1"/>
-                </a:solidFill>
-              </a:rPr>
-              <a:t>Float</a:t>
-            </a:r>
-            <a:r>
-              <a:rPr lang="en-US" altLang="ja-JP" dirty="0" smtClean="0">
-                <a:solidFill>
-                  <a:schemeClr val="tx1"/>
-                </a:solidFill>
-              </a:rPr>
-              <a:t> |</a:t>
-            </a:r>
-          </a:p>
-          <a:p>
-            <a:r>
-              <a:rPr lang="ja-JP" altLang="en-US" dirty="0" smtClean="0">
-                <a:solidFill>
-                  <a:schemeClr val="tx1"/>
-                </a:solidFill>
-              </a:rPr>
-              <a:t>                     </a:t>
-            </a:r>
-            <a:r>
-              <a:rPr lang="en-US" altLang="ja-JP" dirty="0" smtClean="0">
-                <a:solidFill>
-                  <a:schemeClr val="tx1"/>
-                </a:solidFill>
-              </a:rPr>
-              <a:t>Rectangle Float </a:t>
-            </a:r>
-            <a:r>
-              <a:rPr lang="en-US" altLang="ja-JP" dirty="0" err="1" smtClean="0">
-                <a:solidFill>
-                  <a:schemeClr val="tx1"/>
-                </a:solidFill>
-              </a:rPr>
-              <a:t>Float</a:t>
-            </a:r>
-            <a:r>
-              <a:rPr lang="en-US" altLang="ja-JP" dirty="0" smtClean="0">
-                <a:solidFill>
-                  <a:schemeClr val="tx1"/>
-                </a:solidFill>
-              </a:rPr>
-              <a:t> </a:t>
-            </a:r>
-            <a:r>
-              <a:rPr lang="en-US" altLang="ja-JP" dirty="0" err="1" smtClean="0">
-                <a:solidFill>
-                  <a:schemeClr val="tx1"/>
-                </a:solidFill>
-              </a:rPr>
-              <a:t>Float</a:t>
-            </a:r>
-            <a:r>
-              <a:rPr lang="en-US" altLang="ja-JP" dirty="0" smtClean="0">
-                <a:solidFill>
-                  <a:schemeClr val="tx1"/>
-                </a:solidFill>
-              </a:rPr>
-              <a:t> </a:t>
-            </a:r>
-            <a:r>
-              <a:rPr lang="en-US" altLang="ja-JP" dirty="0" err="1" smtClean="0">
-                <a:solidFill>
-                  <a:schemeClr val="tx1"/>
-                </a:solidFill>
-              </a:rPr>
-              <a:t>Float</a:t>
-            </a:r>
-            <a:endParaRPr lang="en-US" altLang="ja-JP" dirty="0" smtClean="0">
-              <a:solidFill>
-                <a:schemeClr val="tx1"/>
-              </a:solidFill>
-            </a:endParaRPr>
-          </a:p>
-          <a:p>
-            <a:r>
-              <a:rPr lang="en-US" altLang="ja-JP" dirty="0" smtClean="0">
-                <a:solidFill>
-                  <a:schemeClr val="tx1"/>
-                </a:solidFill>
-              </a:rPr>
-              <a:t>&gt; :t Circle  </a:t>
-            </a:r>
-          </a:p>
-          <a:p>
-            <a:r>
-              <a:rPr lang="en-US" altLang="ja-JP" dirty="0" smtClean="0">
-                <a:solidFill>
-                  <a:schemeClr val="tx1"/>
-                </a:solidFill>
-              </a:rPr>
-              <a:t>Circle :: Float -&gt; Float -&gt; Float -&gt; Shape  </a:t>
-            </a:r>
-          </a:p>
-          <a:p>
-            <a:r>
-              <a:rPr lang="en-US" altLang="ja-JP" dirty="0" smtClean="0">
-                <a:solidFill>
-                  <a:schemeClr val="tx1"/>
-                </a:solidFill>
-              </a:rPr>
-              <a:t>&gt; :t Rectangle  </a:t>
-            </a:r>
-          </a:p>
-          <a:p>
-            <a:r>
-              <a:rPr lang="en-US" altLang="ja-JP" dirty="0" smtClean="0">
-                <a:solidFill>
-                  <a:schemeClr val="tx1"/>
-                </a:solidFill>
-              </a:rPr>
-              <a:t>Rectangle :: Float -&gt; Float -&gt; Float -&gt; Float -&gt; Shape</a:t>
-            </a:r>
-          </a:p>
-        </p:txBody>
-      </p:sp>
-      <p:sp>
-        <p:nvSpPr>
-          <p:cNvPr id="7" name="角丸四角形 6"/>
-          <p:cNvSpPr/>
-          <p:nvPr/>
-        </p:nvSpPr>
-        <p:spPr>
-          <a:xfrm>
-            <a:off x="251520" y="5373216"/>
-            <a:ext cx="8640960" cy="1296144"/>
-          </a:xfrm>
-          <a:prstGeom prst="roundRect">
-            <a:avLst/>
-          </a:prstGeom>
-          <a:solidFill>
-            <a:schemeClr val="accent1">
-              <a:lumMod val="20000"/>
-              <a:lumOff val="80000"/>
-            </a:schemeClr>
-          </a:solidFill>
-        </p:spPr>
-        <p:style>
-          <a:lnRef idx="2">
-            <a:schemeClr val="accent1">
-              <a:shade val="50000"/>
-            </a:schemeClr>
-          </a:lnRef>
-          <a:fillRef idx="1">
-            <a:schemeClr val="accent1"/>
-          </a:fillRef>
-          <a:effectRef idx="0">
-            <a:schemeClr val="accent1"/>
-          </a:effectRef>
-          <a:fontRef idx="minor">
-            <a:schemeClr val="lt1"/>
-          </a:fontRef>
-        </p:style>
-        <p:txBody>
-          <a:bodyPr rtlCol="0" anchor="ctr"/>
-          <a:lstStyle/>
-          <a:p>
-            <a:r>
-              <a:rPr lang="en-US" altLang="ja-JP" dirty="0" smtClean="0">
-                <a:solidFill>
-                  <a:schemeClr val="tx1"/>
-                </a:solidFill>
-              </a:rPr>
-              <a:t>surface :: Shape -&gt; Float  </a:t>
-            </a:r>
-          </a:p>
-          <a:p>
-            <a:r>
-              <a:rPr lang="en-US" altLang="ja-JP" dirty="0" smtClean="0">
-                <a:solidFill>
-                  <a:schemeClr val="tx1"/>
-                </a:solidFill>
-              </a:rPr>
-              <a:t>surface (Circle _ _ r) = pi * r ^ 2  </a:t>
-            </a:r>
-          </a:p>
-          <a:p>
-            <a:r>
-              <a:rPr lang="en-US" altLang="ja-JP" dirty="0" smtClean="0">
-                <a:solidFill>
-                  <a:schemeClr val="tx1"/>
-                </a:solidFill>
-              </a:rPr>
-              <a:t>surface (Rectangle x1 y1 x2 y2) = (abs $ x2 - x1) * (abs $ y2 - y1)  </a:t>
-            </a:r>
-          </a:p>
-        </p:txBody>
-      </p:sp>
-      <p:sp>
-        <p:nvSpPr>
-          <p:cNvPr id="8" name="テキスト ボックス 7"/>
-          <p:cNvSpPr txBox="1"/>
-          <p:nvPr/>
-        </p:nvSpPr>
-        <p:spPr>
-          <a:xfrm>
-            <a:off x="4716016" y="5445225"/>
-            <a:ext cx="3600400" cy="646331"/>
-          </a:xfrm>
-          <a:prstGeom prst="rect">
-            <a:avLst/>
-          </a:prstGeom>
-          <a:solidFill>
-            <a:schemeClr val="bg1">
-              <a:lumMod val="95000"/>
-            </a:schemeClr>
-          </a:solidFill>
-        </p:spPr>
-        <p:txBody>
-          <a:bodyPr wrap="square" rtlCol="0" anchor="ctr">
-            <a:spAutoFit/>
-          </a:bodyPr>
-          <a:lstStyle/>
-          <a:p>
-            <a:r>
-              <a:rPr kumimoji="1" lang="en-US" altLang="ja-JP" dirty="0" smtClean="0"/>
-              <a:t>Circle -&gt; Float </a:t>
-            </a:r>
-            <a:r>
-              <a:rPr kumimoji="1" lang="ja-JP" altLang="en-US" dirty="0" smtClean="0"/>
-              <a:t>とは書けない。</a:t>
-            </a:r>
-            <a:endParaRPr kumimoji="1" lang="en-US" altLang="ja-JP" dirty="0" smtClean="0"/>
-          </a:p>
-          <a:p>
-            <a:r>
-              <a:rPr lang="ja-JP" altLang="en-US" dirty="0" smtClean="0"/>
-              <a:t>なぜなら、</a:t>
-            </a:r>
-            <a:r>
-              <a:rPr lang="en-US" altLang="ja-JP" dirty="0" smtClean="0"/>
-              <a:t>Circle</a:t>
-            </a:r>
-            <a:r>
-              <a:rPr lang="ja-JP" altLang="en-US" dirty="0" smtClean="0"/>
-              <a:t>は型ではないから。</a:t>
             </a:r>
             <a:endParaRPr kumimoji="1" lang="ja-JP" altLang="en-US" dirty="0"/>
           </a:p>
